--- a/授業資料/講義資料：静的メンバ.pptx
+++ b/授業資料/講義資料：静的メンバ.pptx
@@ -265,7 +265,7 @@
           <a:p>
             <a:fld id="{5B96D3F8-CD2E-4A0D-AC38-517181EABB18}" type="datetimeFigureOut">
               <a:rPr kumimoji="1" lang="ja-JP" altLang="en-US" smtClean="0"/>
-              <a:t>2024/9/10</a:t>
+              <a:t>2024/9/13</a:t>
             </a:fld>
             <a:endParaRPr kumimoji="1" lang="ja-JP" altLang="en-US"/>
           </a:p>
@@ -467,7 +467,7 @@
           <a:p>
             <a:fld id="{5B96D3F8-CD2E-4A0D-AC38-517181EABB18}" type="datetimeFigureOut">
               <a:rPr kumimoji="1" lang="ja-JP" altLang="en-US" smtClean="0"/>
-              <a:t>2024/9/10</a:t>
+              <a:t>2024/9/13</a:t>
             </a:fld>
             <a:endParaRPr kumimoji="1" lang="ja-JP" altLang="en-US"/>
           </a:p>
@@ -679,7 +679,7 @@
           <a:p>
             <a:fld id="{5B96D3F8-CD2E-4A0D-AC38-517181EABB18}" type="datetimeFigureOut">
               <a:rPr kumimoji="1" lang="ja-JP" altLang="en-US" smtClean="0"/>
-              <a:t>2024/9/10</a:t>
+              <a:t>2024/9/13</a:t>
             </a:fld>
             <a:endParaRPr kumimoji="1" lang="ja-JP" altLang="en-US"/>
           </a:p>
@@ -881,7 +881,7 @@
           <a:p>
             <a:fld id="{5B96D3F8-CD2E-4A0D-AC38-517181EABB18}" type="datetimeFigureOut">
               <a:rPr kumimoji="1" lang="ja-JP" altLang="en-US" smtClean="0"/>
-              <a:t>2024/9/10</a:t>
+              <a:t>2024/9/13</a:t>
             </a:fld>
             <a:endParaRPr kumimoji="1" lang="ja-JP" altLang="en-US"/>
           </a:p>
@@ -1127,7 +1127,7 @@
           <a:p>
             <a:fld id="{5B96D3F8-CD2E-4A0D-AC38-517181EABB18}" type="datetimeFigureOut">
               <a:rPr kumimoji="1" lang="ja-JP" altLang="en-US" smtClean="0"/>
-              <a:t>2024/9/10</a:t>
+              <a:t>2024/9/13</a:t>
             </a:fld>
             <a:endParaRPr kumimoji="1" lang="ja-JP" altLang="en-US"/>
           </a:p>
@@ -1423,7 +1423,7 @@
           <a:p>
             <a:fld id="{5B96D3F8-CD2E-4A0D-AC38-517181EABB18}" type="datetimeFigureOut">
               <a:rPr kumimoji="1" lang="ja-JP" altLang="en-US" smtClean="0"/>
-              <a:t>2024/9/10</a:t>
+              <a:t>2024/9/13</a:t>
             </a:fld>
             <a:endParaRPr kumimoji="1" lang="ja-JP" altLang="en-US"/>
           </a:p>
@@ -1854,7 +1854,7 @@
           <a:p>
             <a:fld id="{5B96D3F8-CD2E-4A0D-AC38-517181EABB18}" type="datetimeFigureOut">
               <a:rPr kumimoji="1" lang="ja-JP" altLang="en-US" smtClean="0"/>
-              <a:t>2024/9/10</a:t>
+              <a:t>2024/9/13</a:t>
             </a:fld>
             <a:endParaRPr kumimoji="1" lang="ja-JP" altLang="en-US"/>
           </a:p>
@@ -1972,7 +1972,7 @@
           <a:p>
             <a:fld id="{5B96D3F8-CD2E-4A0D-AC38-517181EABB18}" type="datetimeFigureOut">
               <a:rPr kumimoji="1" lang="ja-JP" altLang="en-US" smtClean="0"/>
-              <a:t>2024/9/10</a:t>
+              <a:t>2024/9/13</a:t>
             </a:fld>
             <a:endParaRPr kumimoji="1" lang="ja-JP" altLang="en-US"/>
           </a:p>
@@ -2067,7 +2067,7 @@
           <a:p>
             <a:fld id="{5B96D3F8-CD2E-4A0D-AC38-517181EABB18}" type="datetimeFigureOut">
               <a:rPr kumimoji="1" lang="ja-JP" altLang="en-US" smtClean="0"/>
-              <a:t>2024/9/10</a:t>
+              <a:t>2024/9/13</a:t>
             </a:fld>
             <a:endParaRPr kumimoji="1" lang="ja-JP" altLang="en-US"/>
           </a:p>
@@ -2376,7 +2376,7 @@
           <a:p>
             <a:fld id="{5B96D3F8-CD2E-4A0D-AC38-517181EABB18}" type="datetimeFigureOut">
               <a:rPr kumimoji="1" lang="ja-JP" altLang="en-US" smtClean="0"/>
-              <a:t>2024/9/10</a:t>
+              <a:t>2024/9/13</a:t>
             </a:fld>
             <a:endParaRPr kumimoji="1" lang="ja-JP" altLang="en-US"/>
           </a:p>
@@ -2633,7 +2633,7 @@
           <a:p>
             <a:fld id="{5B96D3F8-CD2E-4A0D-AC38-517181EABB18}" type="datetimeFigureOut">
               <a:rPr kumimoji="1" lang="ja-JP" altLang="en-US" smtClean="0"/>
-              <a:t>2024/9/10</a:t>
+              <a:t>2024/9/13</a:t>
             </a:fld>
             <a:endParaRPr kumimoji="1" lang="ja-JP" altLang="en-US"/>
           </a:p>
@@ -2878,7 +2878,7 @@
           <a:p>
             <a:fld id="{5B96D3F8-CD2E-4A0D-AC38-517181EABB18}" type="datetimeFigureOut">
               <a:rPr kumimoji="1" lang="ja-JP" altLang="en-US" smtClean="0"/>
-              <a:t>2024/9/10</a:t>
+              <a:t>2024/9/13</a:t>
             </a:fld>
             <a:endParaRPr kumimoji="1" lang="ja-JP" altLang="en-US"/>
           </a:p>
@@ -13589,7 +13589,7 @@
         <p:spPr>
           <a:xfrm>
             <a:off x="1048255" y="1747979"/>
-            <a:ext cx="5401183" cy="5016758"/>
+            <a:ext cx="5401183" cy="5078313"/>
           </a:xfrm>
           <a:prstGeom prst="rect">
             <a:avLst/>
@@ -13631,10 +13631,6 @@
               <a:rPr kumimoji="1" lang="en-US" altLang="ja-JP" sz="2000" dirty="0"/>
               <a:t>using namespace std;</a:t>
             </a:r>
-            <a:br>
-              <a:rPr kumimoji="1" lang="en-US" altLang="ja-JP" sz="2000" dirty="0"/>
-            </a:br>
-            <a:endParaRPr kumimoji="1" lang="en-US" altLang="ja-JP" sz="2000" dirty="0"/>
           </a:p>
           <a:p>
             <a:r>
@@ -13649,6 +13645,9 @@
               <a:rPr kumimoji="1" lang="en-US" altLang="ja-JP" sz="2400" dirty="0"/>
               <a:t> = 0;</a:t>
             </a:r>
+          </a:p>
+          <a:p>
+            <a:endParaRPr kumimoji="1" lang="en-US" altLang="ja-JP" sz="2400" dirty="0"/>
           </a:p>
           <a:p>
             <a:r>

--- a/授業資料/講義資料：静的メンバ.pptx
+++ b/授業資料/講義資料：静的メンバ.pptx
@@ -265,7 +265,7 @@
           <a:p>
             <a:fld id="{5B96D3F8-CD2E-4A0D-AC38-517181EABB18}" type="datetimeFigureOut">
               <a:rPr kumimoji="1" lang="ja-JP" altLang="en-US" smtClean="0"/>
-              <a:t>2024/9/13</a:t>
+              <a:t>2024/9/17</a:t>
             </a:fld>
             <a:endParaRPr kumimoji="1" lang="ja-JP" altLang="en-US"/>
           </a:p>
@@ -467,7 +467,7 @@
           <a:p>
             <a:fld id="{5B96D3F8-CD2E-4A0D-AC38-517181EABB18}" type="datetimeFigureOut">
               <a:rPr kumimoji="1" lang="ja-JP" altLang="en-US" smtClean="0"/>
-              <a:t>2024/9/13</a:t>
+              <a:t>2024/9/17</a:t>
             </a:fld>
             <a:endParaRPr kumimoji="1" lang="ja-JP" altLang="en-US"/>
           </a:p>
@@ -679,7 +679,7 @@
           <a:p>
             <a:fld id="{5B96D3F8-CD2E-4A0D-AC38-517181EABB18}" type="datetimeFigureOut">
               <a:rPr kumimoji="1" lang="ja-JP" altLang="en-US" smtClean="0"/>
-              <a:t>2024/9/13</a:t>
+              <a:t>2024/9/17</a:t>
             </a:fld>
             <a:endParaRPr kumimoji="1" lang="ja-JP" altLang="en-US"/>
           </a:p>
@@ -881,7 +881,7 @@
           <a:p>
             <a:fld id="{5B96D3F8-CD2E-4A0D-AC38-517181EABB18}" type="datetimeFigureOut">
               <a:rPr kumimoji="1" lang="ja-JP" altLang="en-US" smtClean="0"/>
-              <a:t>2024/9/13</a:t>
+              <a:t>2024/9/17</a:t>
             </a:fld>
             <a:endParaRPr kumimoji="1" lang="ja-JP" altLang="en-US"/>
           </a:p>
@@ -1127,7 +1127,7 @@
           <a:p>
             <a:fld id="{5B96D3F8-CD2E-4A0D-AC38-517181EABB18}" type="datetimeFigureOut">
               <a:rPr kumimoji="1" lang="ja-JP" altLang="en-US" smtClean="0"/>
-              <a:t>2024/9/13</a:t>
+              <a:t>2024/9/17</a:t>
             </a:fld>
             <a:endParaRPr kumimoji="1" lang="ja-JP" altLang="en-US"/>
           </a:p>
@@ -1423,7 +1423,7 @@
           <a:p>
             <a:fld id="{5B96D3F8-CD2E-4A0D-AC38-517181EABB18}" type="datetimeFigureOut">
               <a:rPr kumimoji="1" lang="ja-JP" altLang="en-US" smtClean="0"/>
-              <a:t>2024/9/13</a:t>
+              <a:t>2024/9/17</a:t>
             </a:fld>
             <a:endParaRPr kumimoji="1" lang="ja-JP" altLang="en-US"/>
           </a:p>
@@ -1854,7 +1854,7 @@
           <a:p>
             <a:fld id="{5B96D3F8-CD2E-4A0D-AC38-517181EABB18}" type="datetimeFigureOut">
               <a:rPr kumimoji="1" lang="ja-JP" altLang="en-US" smtClean="0"/>
-              <a:t>2024/9/13</a:t>
+              <a:t>2024/9/17</a:t>
             </a:fld>
             <a:endParaRPr kumimoji="1" lang="ja-JP" altLang="en-US"/>
           </a:p>
@@ -1972,7 +1972,7 @@
           <a:p>
             <a:fld id="{5B96D3F8-CD2E-4A0D-AC38-517181EABB18}" type="datetimeFigureOut">
               <a:rPr kumimoji="1" lang="ja-JP" altLang="en-US" smtClean="0"/>
-              <a:t>2024/9/13</a:t>
+              <a:t>2024/9/17</a:t>
             </a:fld>
             <a:endParaRPr kumimoji="1" lang="ja-JP" altLang="en-US"/>
           </a:p>
@@ -2067,7 +2067,7 @@
           <a:p>
             <a:fld id="{5B96D3F8-CD2E-4A0D-AC38-517181EABB18}" type="datetimeFigureOut">
               <a:rPr kumimoji="1" lang="ja-JP" altLang="en-US" smtClean="0"/>
-              <a:t>2024/9/13</a:t>
+              <a:t>2024/9/17</a:t>
             </a:fld>
             <a:endParaRPr kumimoji="1" lang="ja-JP" altLang="en-US"/>
           </a:p>
@@ -2376,7 +2376,7 @@
           <a:p>
             <a:fld id="{5B96D3F8-CD2E-4A0D-AC38-517181EABB18}" type="datetimeFigureOut">
               <a:rPr kumimoji="1" lang="ja-JP" altLang="en-US" smtClean="0"/>
-              <a:t>2024/9/13</a:t>
+              <a:t>2024/9/17</a:t>
             </a:fld>
             <a:endParaRPr kumimoji="1" lang="ja-JP" altLang="en-US"/>
           </a:p>
@@ -2633,7 +2633,7 @@
           <a:p>
             <a:fld id="{5B96D3F8-CD2E-4A0D-AC38-517181EABB18}" type="datetimeFigureOut">
               <a:rPr kumimoji="1" lang="ja-JP" altLang="en-US" smtClean="0"/>
-              <a:t>2024/9/13</a:t>
+              <a:t>2024/9/17</a:t>
             </a:fld>
             <a:endParaRPr kumimoji="1" lang="ja-JP" altLang="en-US"/>
           </a:p>
@@ -2878,7 +2878,7 @@
           <a:p>
             <a:fld id="{5B96D3F8-CD2E-4A0D-AC38-517181EABB18}" type="datetimeFigureOut">
               <a:rPr kumimoji="1" lang="ja-JP" altLang="en-US" smtClean="0"/>
-              <a:t>2024/9/13</a:t>
+              <a:t>2024/9/17</a:t>
             </a:fld>
             <a:endParaRPr kumimoji="1" lang="ja-JP" altLang="en-US"/>
           </a:p>
@@ -3660,11 +3660,8 @@
             </a:br>
             <a:r>
               <a:rPr lang="ja-JP" altLang="en-US" dirty="0"/>
-              <a:t>クラス自体が所有している変数や関数</a:t>
-            </a:r>
-            <a:br>
-              <a:rPr lang="en-US" altLang="ja-JP" dirty="0"/>
-            </a:br>
+              <a:t>クラス自体が所有している変数や関数なので、</a:t>
+            </a:r>
             <a:br>
               <a:rPr lang="en-US" altLang="ja-JP" dirty="0"/>
             </a:br>
@@ -9547,6 +9544,50 @@
           </a:prstGeom>
         </p:spPr>
       </p:pic>
+      <p:sp>
+        <p:nvSpPr>
+          <p:cNvPr id="8" name="テキスト ボックス 7">
+            <a:extLst>
+              <a:ext uri="{FF2B5EF4-FFF2-40B4-BE49-F238E27FC236}">
+                <a16:creationId xmlns:a16="http://schemas.microsoft.com/office/drawing/2014/main" id="{D5568A2B-3BAA-6058-B64D-D9FD099737EE}"/>
+              </a:ext>
+            </a:extLst>
+          </p:cNvPr>
+          <p:cNvSpPr txBox="1"/>
+          <p:nvPr/>
+        </p:nvSpPr>
+        <p:spPr>
+          <a:xfrm>
+            <a:off x="7153523" y="704906"/>
+            <a:ext cx="630301" cy="523220"/>
+          </a:xfrm>
+          <a:prstGeom prst="rect">
+            <a:avLst/>
+          </a:prstGeom>
+          <a:noFill/>
+        </p:spPr>
+        <p:txBody>
+          <a:bodyPr wrap="none" rtlCol="0">
+            <a:spAutoFit/>
+          </a:bodyPr>
+          <a:lstStyle/>
+          <a:p>
+            <a:r>
+              <a:rPr kumimoji="1" lang="en-US" altLang="ja-JP" sz="2800" dirty="0">
+                <a:solidFill>
+                  <a:schemeClr val="bg1"/>
+                </a:solidFill>
+              </a:rPr>
+              <a:t>r1</a:t>
+            </a:r>
+            <a:endParaRPr kumimoji="1" lang="ja-JP" altLang="en-US" sz="2800" dirty="0">
+              <a:solidFill>
+                <a:schemeClr val="bg1"/>
+              </a:solidFill>
+            </a:endParaRPr>
+          </a:p>
+        </p:txBody>
+      </p:sp>
     </p:spTree>
     <p:extLst>
       <p:ext uri="{BB962C8B-B14F-4D97-AF65-F5344CB8AC3E}">
@@ -10308,6 +10349,50 @@
           </a:prstGeom>
         </p:spPr>
       </p:pic>
+      <p:sp>
+        <p:nvSpPr>
+          <p:cNvPr id="9" name="テキスト ボックス 8">
+            <a:extLst>
+              <a:ext uri="{FF2B5EF4-FFF2-40B4-BE49-F238E27FC236}">
+                <a16:creationId xmlns:a16="http://schemas.microsoft.com/office/drawing/2014/main" id="{180E60C0-A75C-D015-760D-FF97D9B46CF5}"/>
+              </a:ext>
+            </a:extLst>
+          </p:cNvPr>
+          <p:cNvSpPr txBox="1"/>
+          <p:nvPr/>
+        </p:nvSpPr>
+        <p:spPr>
+          <a:xfrm>
+            <a:off x="7153523" y="704906"/>
+            <a:ext cx="630301" cy="523220"/>
+          </a:xfrm>
+          <a:prstGeom prst="rect">
+            <a:avLst/>
+          </a:prstGeom>
+          <a:noFill/>
+        </p:spPr>
+        <p:txBody>
+          <a:bodyPr wrap="none" rtlCol="0">
+            <a:spAutoFit/>
+          </a:bodyPr>
+          <a:lstStyle/>
+          <a:p>
+            <a:r>
+              <a:rPr kumimoji="1" lang="en-US" altLang="ja-JP" sz="2800" dirty="0">
+                <a:solidFill>
+                  <a:schemeClr val="bg1"/>
+                </a:solidFill>
+              </a:rPr>
+              <a:t>r1</a:t>
+            </a:r>
+            <a:endParaRPr kumimoji="1" lang="ja-JP" altLang="en-US" sz="2800" dirty="0">
+              <a:solidFill>
+                <a:schemeClr val="bg1"/>
+              </a:solidFill>
+            </a:endParaRPr>
+          </a:p>
+        </p:txBody>
+      </p:sp>
     </p:spTree>
     <p:extLst>
       <p:ext uri="{BB962C8B-B14F-4D97-AF65-F5344CB8AC3E}">
@@ -11313,6 +11398,138 @@
           </a:prstGeom>
         </p:spPr>
       </p:pic>
+      <p:sp>
+        <p:nvSpPr>
+          <p:cNvPr id="12" name="テキスト ボックス 11">
+            <a:extLst>
+              <a:ext uri="{FF2B5EF4-FFF2-40B4-BE49-F238E27FC236}">
+                <a16:creationId xmlns:a16="http://schemas.microsoft.com/office/drawing/2014/main" id="{BA12C5DE-92C7-ECA7-8204-5D259152532D}"/>
+              </a:ext>
+            </a:extLst>
+          </p:cNvPr>
+          <p:cNvSpPr txBox="1"/>
+          <p:nvPr/>
+        </p:nvSpPr>
+        <p:spPr>
+          <a:xfrm>
+            <a:off x="7153523" y="704906"/>
+            <a:ext cx="630301" cy="523220"/>
+          </a:xfrm>
+          <a:prstGeom prst="rect">
+            <a:avLst/>
+          </a:prstGeom>
+          <a:noFill/>
+        </p:spPr>
+        <p:txBody>
+          <a:bodyPr wrap="none" rtlCol="0">
+            <a:spAutoFit/>
+          </a:bodyPr>
+          <a:lstStyle/>
+          <a:p>
+            <a:r>
+              <a:rPr kumimoji="1" lang="en-US" altLang="ja-JP" sz="2800" dirty="0">
+                <a:solidFill>
+                  <a:schemeClr val="bg1"/>
+                </a:solidFill>
+              </a:rPr>
+              <a:t>r1</a:t>
+            </a:r>
+            <a:endParaRPr kumimoji="1" lang="ja-JP" altLang="en-US" sz="2800" dirty="0">
+              <a:solidFill>
+                <a:schemeClr val="bg1"/>
+              </a:solidFill>
+            </a:endParaRPr>
+          </a:p>
+        </p:txBody>
+      </p:sp>
+      <p:sp>
+        <p:nvSpPr>
+          <p:cNvPr id="13" name="テキスト ボックス 12">
+            <a:extLst>
+              <a:ext uri="{FF2B5EF4-FFF2-40B4-BE49-F238E27FC236}">
+                <a16:creationId xmlns:a16="http://schemas.microsoft.com/office/drawing/2014/main" id="{E7AAD121-F844-B218-BB5B-65D38EC88279}"/>
+              </a:ext>
+            </a:extLst>
+          </p:cNvPr>
+          <p:cNvSpPr txBox="1"/>
+          <p:nvPr/>
+        </p:nvSpPr>
+        <p:spPr>
+          <a:xfrm>
+            <a:off x="9062482" y="710461"/>
+            <a:ext cx="630301" cy="523220"/>
+          </a:xfrm>
+          <a:prstGeom prst="rect">
+            <a:avLst/>
+          </a:prstGeom>
+          <a:noFill/>
+        </p:spPr>
+        <p:txBody>
+          <a:bodyPr wrap="none" rtlCol="0">
+            <a:spAutoFit/>
+          </a:bodyPr>
+          <a:lstStyle/>
+          <a:p>
+            <a:r>
+              <a:rPr kumimoji="1" lang="en-US" altLang="ja-JP" sz="2800" dirty="0">
+                <a:solidFill>
+                  <a:schemeClr val="bg1"/>
+                </a:solidFill>
+              </a:rPr>
+              <a:t>r2</a:t>
+            </a:r>
+            <a:endParaRPr kumimoji="1" lang="ja-JP" altLang="en-US" sz="2800" dirty="0">
+              <a:solidFill>
+                <a:schemeClr val="bg1"/>
+              </a:solidFill>
+            </a:endParaRPr>
+          </a:p>
+        </p:txBody>
+      </p:sp>
+      <p:sp>
+        <p:nvSpPr>
+          <p:cNvPr id="14" name="テキスト ボックス 13">
+            <a:extLst>
+              <a:ext uri="{FF2B5EF4-FFF2-40B4-BE49-F238E27FC236}">
+                <a16:creationId xmlns:a16="http://schemas.microsoft.com/office/drawing/2014/main" id="{22E34F85-9C5D-8599-DE3C-A9DC6E9BCF1E}"/>
+              </a:ext>
+            </a:extLst>
+          </p:cNvPr>
+          <p:cNvSpPr txBox="1"/>
+          <p:nvPr/>
+        </p:nvSpPr>
+        <p:spPr>
+          <a:xfrm>
+            <a:off x="10965479" y="704906"/>
+            <a:ext cx="630301" cy="523220"/>
+          </a:xfrm>
+          <a:prstGeom prst="rect">
+            <a:avLst/>
+          </a:prstGeom>
+          <a:noFill/>
+        </p:spPr>
+        <p:txBody>
+          <a:bodyPr wrap="none" rtlCol="0">
+            <a:spAutoFit/>
+          </a:bodyPr>
+          <a:lstStyle/>
+          <a:p>
+            <a:r>
+              <a:rPr kumimoji="1" lang="en-US" altLang="ja-JP" sz="2800" dirty="0">
+                <a:solidFill>
+                  <a:schemeClr val="bg1"/>
+                </a:solidFill>
+              </a:rPr>
+              <a:t>r3</a:t>
+            </a:r>
+            <a:endParaRPr kumimoji="1" lang="ja-JP" altLang="en-US" sz="2800" dirty="0">
+              <a:solidFill>
+                <a:schemeClr val="bg1"/>
+              </a:solidFill>
+            </a:endParaRPr>
+          </a:p>
+        </p:txBody>
+      </p:sp>
     </p:spTree>
     <p:extLst>
       <p:ext uri="{BB962C8B-B14F-4D97-AF65-F5344CB8AC3E}">
@@ -14653,7 +14870,7 @@
 </file>
 
 <file path=ppt/slides/slide8.xml><?xml version="1.0" encoding="utf-8"?>
-<p:sld xmlns:a="http://schemas.openxmlformats.org/drawingml/2006/main" xmlns:r="http://schemas.openxmlformats.org/officeDocument/2006/relationships" xmlns:p="http://schemas.openxmlformats.org/presentationml/2006/main">
+<p:sld xmlns:a="http://schemas.openxmlformats.org/drawingml/2006/main" xmlns:r="http://schemas.openxmlformats.org/officeDocument/2006/relationships" xmlns:p="http://schemas.openxmlformats.org/presentationml/2006/main" show="0">
   <p:cSld>
     <p:spTree>
       <p:nvGrpSpPr>
